--- a/第四組_Blueberry學堂_v2.pptx
+++ b/第四組_Blueberry學堂_v2.pptx
@@ -239,7 +239,7 @@
           <a:p>
             <a:fld id="{863E9FA0-3F59-44B9-A874-A01F74E04B7D}" type="datetimeFigureOut">
               <a:rPr lang="zh-TW" altLang="en-US" smtClean="0"/>
-              <a:t>2022/5/30</a:t>
+              <a:t>2022/6/7</a:t>
             </a:fld>
             <a:endParaRPr lang="zh-TW" altLang="en-US"/>
           </a:p>
@@ -854,7 +854,7 @@
             <a:fld id="{1D8BD707-D9CF-40AE-B4C6-C98DA3205C09}" type="datetimeFigureOut">
               <a:rPr lang="en-US" smtClean="0"/>
               <a:pPr/>
-              <a:t>5/30/2022</a:t>
+              <a:t>6/7/2022</a:t>
             </a:fld>
             <a:endParaRPr lang="en-US"/>
           </a:p>
@@ -1019,7 +1019,7 @@
             <a:fld id="{1D8BD707-D9CF-40AE-B4C6-C98DA3205C09}" type="datetimeFigureOut">
               <a:rPr lang="en-US" smtClean="0"/>
               <a:pPr/>
-              <a:t>5/30/2022</a:t>
+              <a:t>6/7/2022</a:t>
             </a:fld>
             <a:endParaRPr lang="en-US"/>
           </a:p>
@@ -1194,7 +1194,7 @@
             <a:fld id="{1D8BD707-D9CF-40AE-B4C6-C98DA3205C09}" type="datetimeFigureOut">
               <a:rPr lang="en-US" smtClean="0"/>
               <a:pPr/>
-              <a:t>5/30/2022</a:t>
+              <a:t>6/7/2022</a:t>
             </a:fld>
             <a:endParaRPr lang="en-US"/>
           </a:p>
@@ -1359,7 +1359,7 @@
             <a:fld id="{1D8BD707-D9CF-40AE-B4C6-C98DA3205C09}" type="datetimeFigureOut">
               <a:rPr lang="en-US" smtClean="0"/>
               <a:pPr/>
-              <a:t>5/30/2022</a:t>
+              <a:t>6/7/2022</a:t>
             </a:fld>
             <a:endParaRPr lang="en-US"/>
           </a:p>
@@ -1601,7 +1601,7 @@
             <a:fld id="{1D8BD707-D9CF-40AE-B4C6-C98DA3205C09}" type="datetimeFigureOut">
               <a:rPr lang="en-US" smtClean="0"/>
               <a:pPr/>
-              <a:t>5/30/2022</a:t>
+              <a:t>6/7/2022</a:t>
             </a:fld>
             <a:endParaRPr lang="en-US"/>
           </a:p>
@@ -1883,7 +1883,7 @@
             <a:fld id="{1D8BD707-D9CF-40AE-B4C6-C98DA3205C09}" type="datetimeFigureOut">
               <a:rPr lang="en-US" smtClean="0"/>
               <a:pPr/>
-              <a:t>5/30/2022</a:t>
+              <a:t>6/7/2022</a:t>
             </a:fld>
             <a:endParaRPr lang="en-US"/>
           </a:p>
@@ -2299,7 +2299,7 @@
             <a:fld id="{1D8BD707-D9CF-40AE-B4C6-C98DA3205C09}" type="datetimeFigureOut">
               <a:rPr lang="en-US" smtClean="0"/>
               <a:pPr/>
-              <a:t>5/30/2022</a:t>
+              <a:t>6/7/2022</a:t>
             </a:fld>
             <a:endParaRPr lang="en-US"/>
           </a:p>
@@ -2413,7 +2413,7 @@
             <a:fld id="{1D8BD707-D9CF-40AE-B4C6-C98DA3205C09}" type="datetimeFigureOut">
               <a:rPr lang="en-US" smtClean="0"/>
               <a:pPr/>
-              <a:t>5/30/2022</a:t>
+              <a:t>6/7/2022</a:t>
             </a:fld>
             <a:endParaRPr lang="en-US"/>
           </a:p>
@@ -2505,7 +2505,7 @@
             <a:fld id="{1D8BD707-D9CF-40AE-B4C6-C98DA3205C09}" type="datetimeFigureOut">
               <a:rPr lang="en-US" smtClean="0"/>
               <a:pPr/>
-              <a:t>5/30/2022</a:t>
+              <a:t>6/7/2022</a:t>
             </a:fld>
             <a:endParaRPr lang="en-US"/>
           </a:p>
@@ -2777,7 +2777,7 @@
             <a:fld id="{1D8BD707-D9CF-40AE-B4C6-C98DA3205C09}" type="datetimeFigureOut">
               <a:rPr lang="en-US" smtClean="0"/>
               <a:pPr/>
-              <a:t>5/30/2022</a:t>
+              <a:t>6/7/2022</a:t>
             </a:fld>
             <a:endParaRPr lang="en-US"/>
           </a:p>
@@ -3026,7 +3026,7 @@
             <a:fld id="{1D8BD707-D9CF-40AE-B4C6-C98DA3205C09}" type="datetimeFigureOut">
               <a:rPr lang="en-US" smtClean="0"/>
               <a:pPr/>
-              <a:t>5/30/2022</a:t>
+              <a:t>6/7/2022</a:t>
             </a:fld>
             <a:endParaRPr lang="en-US"/>
           </a:p>
@@ -3234,7 +3234,7 @@
             <a:fld id="{1D8BD707-D9CF-40AE-B4C6-C98DA3205C09}" type="datetimeFigureOut">
               <a:rPr lang="en-US" smtClean="0"/>
               <a:pPr/>
-              <a:t>5/30/2022</a:t>
+              <a:t>6/7/2022</a:t>
             </a:fld>
             <a:endParaRPr lang="en-US"/>
           </a:p>
